--- a/ppt/SMS.pptx
+++ b/ppt/SMS.pptx
@@ -279,7 +279,7 @@
           <a:p>
             <a:fld id="{AA9E0FC9-8F1C-4ABE-BAB3-7309717E28C0}" type="datetimeFigureOut">
               <a:rPr lang="zh-CN" altLang="en-US" smtClean="0"/>
-              <a:t>2024/6/12</a:t>
+              <a:t>2024/6/13</a:t>
             </a:fld>
             <a:endParaRPr lang="zh-CN" altLang="en-US"/>
           </a:p>
@@ -477,7 +477,7 @@
           <a:p>
             <a:fld id="{AA9E0FC9-8F1C-4ABE-BAB3-7309717E28C0}" type="datetimeFigureOut">
               <a:rPr lang="zh-CN" altLang="en-US" smtClean="0"/>
-              <a:t>2024/6/12</a:t>
+              <a:t>2024/6/13</a:t>
             </a:fld>
             <a:endParaRPr lang="zh-CN" altLang="en-US"/>
           </a:p>
@@ -685,7 +685,7 @@
           <a:p>
             <a:fld id="{AA9E0FC9-8F1C-4ABE-BAB3-7309717E28C0}" type="datetimeFigureOut">
               <a:rPr lang="zh-CN" altLang="en-US" smtClean="0"/>
-              <a:t>2024/6/12</a:t>
+              <a:t>2024/6/13</a:t>
             </a:fld>
             <a:endParaRPr lang="zh-CN" altLang="en-US"/>
           </a:p>
@@ -883,7 +883,7 @@
           <a:p>
             <a:fld id="{AA9E0FC9-8F1C-4ABE-BAB3-7309717E28C0}" type="datetimeFigureOut">
               <a:rPr lang="zh-CN" altLang="en-US" smtClean="0"/>
-              <a:t>2024/6/12</a:t>
+              <a:t>2024/6/13</a:t>
             </a:fld>
             <a:endParaRPr lang="zh-CN" altLang="en-US"/>
           </a:p>
@@ -1158,7 +1158,7 @@
           <a:p>
             <a:fld id="{AA9E0FC9-8F1C-4ABE-BAB3-7309717E28C0}" type="datetimeFigureOut">
               <a:rPr lang="zh-CN" altLang="en-US" smtClean="0"/>
-              <a:t>2024/6/12</a:t>
+              <a:t>2024/6/13</a:t>
             </a:fld>
             <a:endParaRPr lang="zh-CN" altLang="en-US"/>
           </a:p>
@@ -1423,7 +1423,7 @@
           <a:p>
             <a:fld id="{AA9E0FC9-8F1C-4ABE-BAB3-7309717E28C0}" type="datetimeFigureOut">
               <a:rPr lang="zh-CN" altLang="en-US" smtClean="0"/>
-              <a:t>2024/6/12</a:t>
+              <a:t>2024/6/13</a:t>
             </a:fld>
             <a:endParaRPr lang="zh-CN" altLang="en-US"/>
           </a:p>
@@ -1835,7 +1835,7 @@
           <a:p>
             <a:fld id="{AA9E0FC9-8F1C-4ABE-BAB3-7309717E28C0}" type="datetimeFigureOut">
               <a:rPr lang="zh-CN" altLang="en-US" smtClean="0"/>
-              <a:t>2024/6/12</a:t>
+              <a:t>2024/6/13</a:t>
             </a:fld>
             <a:endParaRPr lang="zh-CN" altLang="en-US"/>
           </a:p>
@@ -1976,7 +1976,7 @@
           <a:p>
             <a:fld id="{AA9E0FC9-8F1C-4ABE-BAB3-7309717E28C0}" type="datetimeFigureOut">
               <a:rPr lang="zh-CN" altLang="en-US" smtClean="0"/>
-              <a:t>2024/6/12</a:t>
+              <a:t>2024/6/13</a:t>
             </a:fld>
             <a:endParaRPr lang="zh-CN" altLang="en-US"/>
           </a:p>
@@ -2089,7 +2089,7 @@
           <a:p>
             <a:fld id="{AA9E0FC9-8F1C-4ABE-BAB3-7309717E28C0}" type="datetimeFigureOut">
               <a:rPr lang="zh-CN" altLang="en-US" smtClean="0"/>
-              <a:t>2024/6/12</a:t>
+              <a:t>2024/6/13</a:t>
             </a:fld>
             <a:endParaRPr lang="zh-CN" altLang="en-US"/>
           </a:p>
@@ -2400,7 +2400,7 @@
           <a:p>
             <a:fld id="{AA9E0FC9-8F1C-4ABE-BAB3-7309717E28C0}" type="datetimeFigureOut">
               <a:rPr lang="zh-CN" altLang="en-US" smtClean="0"/>
-              <a:t>2024/6/12</a:t>
+              <a:t>2024/6/13</a:t>
             </a:fld>
             <a:endParaRPr lang="zh-CN" altLang="en-US"/>
           </a:p>
@@ -2688,7 +2688,7 @@
           <a:p>
             <a:fld id="{AA9E0FC9-8F1C-4ABE-BAB3-7309717E28C0}" type="datetimeFigureOut">
               <a:rPr lang="zh-CN" altLang="en-US" smtClean="0"/>
-              <a:t>2024/6/12</a:t>
+              <a:t>2024/6/13</a:t>
             </a:fld>
             <a:endParaRPr lang="zh-CN" altLang="en-US"/>
           </a:p>
@@ -2929,7 +2929,7 @@
           <a:p>
             <a:fld id="{AA9E0FC9-8F1C-4ABE-BAB3-7309717E28C0}" type="datetimeFigureOut">
               <a:rPr lang="zh-CN" altLang="en-US" smtClean="0"/>
-              <a:t>2024/6/12</a:t>
+              <a:t>2024/6/13</a:t>
             </a:fld>
             <a:endParaRPr lang="zh-CN" altLang="en-US"/>
           </a:p>
@@ -5188,11 +5188,10 @@
       </p:sp>
       <p:pic>
         <p:nvPicPr>
-          <p:cNvPr id="6" name="图片 5">
-            <a:hlinkClick r:id="rId3" action="ppaction://hlinksldjump"/>
-            <a:extLst>
-              <a:ext uri="{FF2B5EF4-FFF2-40B4-BE49-F238E27FC236}">
-                <a16:creationId xmlns:a16="http://schemas.microsoft.com/office/drawing/2014/main" id="{556B1246-274A-2EF1-6819-D3E1F6D8B881}"/>
+          <p:cNvPr id="7" name="图片 6">
+            <a:extLst>
+              <a:ext uri="{FF2B5EF4-FFF2-40B4-BE49-F238E27FC236}">
+                <a16:creationId xmlns:a16="http://schemas.microsoft.com/office/drawing/2014/main" id="{0E69F398-A352-69CB-5556-32852BF8F240}"/>
               </a:ext>
             </a:extLst>
           </p:cNvPr>
@@ -5202,15 +5201,15 @@
           <p:nvPr/>
         </p:nvPicPr>
         <p:blipFill>
-          <a:blip r:embed="rId4"/>
+          <a:blip r:embed="rId3"/>
           <a:stretch>
             <a:fillRect/>
           </a:stretch>
         </p:blipFill>
         <p:spPr>
           <a:xfrm>
-            <a:off x="2425660" y="0"/>
-            <a:ext cx="8474363" cy="6858000"/>
+            <a:off x="1823489" y="824361"/>
+            <a:ext cx="9850535" cy="5900861"/>
           </a:xfrm>
           <a:prstGeom prst="rect">
             <a:avLst/>
